--- a/_posts/what-are-microservices-costs-and-benefits/images/images.pptx
+++ b/_posts/what-are-microservices-costs-and-benefits/images/images.pptx
@@ -8126,7 +8126,7 @@
         </p:nvSpPr>
         <p:spPr>
           <a:xfrm>
-            <a:off x="304796" y="3450336"/>
+            <a:off x="4925564" y="3511296"/>
             <a:ext cx="3791716" cy="2912114"/>
           </a:xfrm>
           <a:prstGeom prst="rect">
@@ -8267,7 +8267,7 @@
         </p:nvSpPr>
         <p:spPr>
           <a:xfrm>
-            <a:off x="4876800" y="3450336"/>
+            <a:off x="367963" y="3511296"/>
             <a:ext cx="3986784" cy="2912114"/>
           </a:xfrm>
           <a:prstGeom prst="rect">
